--- a/intro-slides/mvp-mix-part-1.pptx
+++ b/intro-slides/mvp-mix-part-1.pptx
@@ -866,11 +866,7 @@
           <a:p>
             <a:r>
               <a:rPr lang="en-US" dirty="0" smtClean="0"/>
-              <a:t>Services are generally used via the </a:t>
-            </a:r>
-            <a:r>
-              <a:rPr lang="en-US" smtClean="0"/>
-              <a:t>new keyword</a:t>
+              <a:t>Services are generally used via the new keyword</a:t>
             </a:r>
             <a:endParaRPr lang="en-US" baseline="0" dirty="0" smtClean="0"/>
           </a:p>
@@ -2385,11 +2381,33 @@
             </a:r>
             <a:r>
               <a:rPr lang="en-US" baseline="0" dirty="0" smtClean="0"/>
-              <a:t> configurable via a .Syntax, </a:t>
+              <a:t> configurable </a:t>
+            </a:r>
+            <a:r>
+              <a:rPr lang="en-US" baseline="0" dirty="0" smtClean="0"/>
+              <a:t>via </a:t>
+            </a:r>
+            <a:r>
+              <a:rPr lang="en-US" baseline="0" dirty="0" smtClean="0"/>
+              <a:t>a .Syntax, </a:t>
             </a:r>
             <a:r>
               <a:rPr lang="en-US" baseline="0" dirty="0" err="1" smtClean="0"/>
               <a:t>importantRoute.partOne</a:t>
+            </a:r>
+            <a:r>
+              <a:rPr lang="en-US" baseline="0" dirty="0" smtClean="0"/>
+              <a:t/>
+            </a:r>
+            <a:br>
+              <a:rPr lang="en-US" baseline="0" dirty="0" smtClean="0"/>
+            </a:br>
+            <a:endParaRPr lang="en-US" baseline="0" dirty="0" smtClean="0"/>
+          </a:p>
+          <a:p>
+            <a:r>
+              <a:rPr lang="en-US" baseline="0" dirty="0" err="1" smtClean="0"/>
+              <a:t>Ui-sref</a:t>
             </a:r>
             <a:endParaRPr lang="en-US" dirty="0"/>
           </a:p>
@@ -8347,14 +8365,10 @@
           <a:p>
             <a:r>
               <a:rPr lang="en-US" dirty="0" smtClean="0"/>
-              <a:t>Should make any data calls in a factory </a:t>
-            </a:r>
-            <a:r>
-              <a:rPr lang="en-US" smtClean="0"/>
-              <a:t>or </a:t>
-            </a:r>
-            <a:r>
-              <a:rPr lang="en-US" smtClean="0"/>
+              <a:t>Should make any data calls in a factory or </a:t>
+            </a:r>
+            <a:r>
+              <a:rPr lang="en-US" dirty="0" smtClean="0"/>
               <a:t>service</a:t>
             </a:r>
             <a:endParaRPr lang="en-US" dirty="0" smtClean="0"/>
@@ -8854,7 +8868,7 @@
         <p:spPr>
           <a:xfrm>
             <a:off x="390525" y="1067725"/>
-            <a:ext cx="8357616" cy="827919"/>
+            <a:ext cx="8357616" cy="1098762"/>
           </a:xfrm>
         </p:spPr>
         <p:txBody>
@@ -8878,8 +8892,20 @@
             <a:pPr lvl="1"/>
             <a:r>
               <a:rPr lang="en-US" dirty="0" smtClean="0"/>
-              <a:t>Custom directives can be used to encapsulate custom DOM behavior</a:t>
-            </a:r>
+              <a:t>Custom directives can be used to encapsulate custom DOM </a:t>
+            </a:r>
+            <a:r>
+              <a:rPr lang="en-US" dirty="0" smtClean="0"/>
+              <a:t>behavior</a:t>
+            </a:r>
+          </a:p>
+          <a:p>
+            <a:pPr lvl="1"/>
+            <a:r>
+              <a:rPr lang="en-US" dirty="0" smtClean="0"/>
+              <a:t>Can have their own controllers</a:t>
+            </a:r>
+            <a:endParaRPr lang="en-US" dirty="0" smtClean="0"/>
           </a:p>
         </p:txBody>
       </p:sp>
@@ -8947,89 +8973,16 @@
           <a:bodyPr lIns="0" tIns="0" rIns="0" bIns="137160" rtlCol="0" anchor="ctr" anchorCtr="0"/>
           <a:lstStyle/>
           <a:p>
+            <a:pPr algn="ctr"/>
             <a:r>
               <a:rPr lang="en-US" dirty="0" smtClean="0">
                 <a:solidFill>
                   <a:schemeClr val="bg1"/>
                 </a:solidFill>
               </a:rPr>
-              <a:t>&lt;my-</a:t>
-            </a:r>
-            <a:r>
-              <a:rPr lang="en-US" dirty="0" err="1" smtClean="0">
-                <a:solidFill>
-                  <a:schemeClr val="bg1"/>
-                </a:solidFill>
-              </a:rPr>
-              <a:t>dir</a:t>
-            </a:r>
-            <a:r>
-              <a:rPr lang="en-US" dirty="0" smtClean="0">
-                <a:solidFill>
-                  <a:schemeClr val="bg1"/>
-                </a:solidFill>
-              </a:rPr>
-              <a:t>&gt;&lt;/my-</a:t>
-            </a:r>
-            <a:r>
-              <a:rPr lang="en-US" dirty="0" err="1" smtClean="0">
-                <a:solidFill>
-                  <a:schemeClr val="bg1"/>
-                </a:solidFill>
-              </a:rPr>
-              <a:t>dir</a:t>
-            </a:r>
-            <a:r>
-              <a:rPr lang="en-US" dirty="0" smtClean="0">
-                <a:solidFill>
-                  <a:schemeClr val="bg1"/>
-                </a:solidFill>
-              </a:rPr>
-              <a:t>&gt;</a:t>
-            </a:r>
-          </a:p>
-          <a:p>
-            <a:r>
-              <a:rPr lang="en-US" dirty="0" smtClean="0">
-                <a:solidFill>
-                  <a:schemeClr val="bg1"/>
-                </a:solidFill>
-              </a:rPr>
-              <a:t>&lt;span my-</a:t>
-            </a:r>
-            <a:r>
-              <a:rPr lang="en-US" dirty="0" err="1" smtClean="0">
-                <a:solidFill>
-                  <a:schemeClr val="bg1"/>
-                </a:solidFill>
-              </a:rPr>
-              <a:t>dir</a:t>
-            </a:r>
-            <a:r>
-              <a:rPr lang="en-US" dirty="0" smtClean="0">
-                <a:solidFill>
-                  <a:schemeClr val="bg1"/>
-                </a:solidFill>
-              </a:rPr>
-              <a:t>=“</a:t>
-            </a:r>
-            <a:r>
-              <a:rPr lang="en-US" dirty="0" err="1" smtClean="0">
-                <a:solidFill>
-                  <a:schemeClr val="bg1"/>
-                </a:solidFill>
-              </a:rPr>
-              <a:t>exp</a:t>
-            </a:r>
-            <a:r>
-              <a:rPr lang="en-US" dirty="0" smtClean="0">
-                <a:solidFill>
-                  <a:schemeClr val="bg1"/>
-                </a:solidFill>
-              </a:rPr>
-              <a:t>”&gt;&lt;/span&gt;</a:t>
-            </a:r>
-            <a:endParaRPr lang="en-US" dirty="0">
+              <a:t>&lt;person id=“person.id” /&gt;</a:t>
+            </a:r>
+            <a:endParaRPr lang="en-US" dirty="0" smtClean="0">
               <a:solidFill>
                 <a:schemeClr val="bg1"/>
               </a:solidFill>
@@ -12414,44 +12367,23 @@
                 <a:ea typeface="Segoe UI Black" panose="020B0A02040204020203" pitchFamily="34" charset="0"/>
                 <a:cs typeface="Segoe UI Black" panose="020B0A02040204020203" pitchFamily="34" charset="0"/>
               </a:rPr>
-              <a:t>’).</a:t>
-            </a:r>
-            <a:r>
-              <a:rPr lang="en-US" dirty="0" err="1" smtClean="0">
-                <a:gradFill>
-                  <a:gsLst>
-                    <a:gs pos="0">
-                      <a:schemeClr val="bg1"/>
-                    </a:gs>
-                    <a:gs pos="98000">
-                      <a:schemeClr val="bg1"/>
-                    </a:gs>
-                  </a:gsLst>
-                  <a:lin ang="5400000" scaled="0"/>
-                </a:gradFill>
-                <a:ea typeface="Segoe UI Black" panose="020B0A02040204020203" pitchFamily="34" charset="0"/>
-                <a:cs typeface="Segoe UI Black" panose="020B0A02040204020203" pitchFamily="34" charset="0"/>
-              </a:rPr>
-              <a:t>otherAngularComponent</a:t>
-            </a:r>
-            <a:r>
-              <a:rPr lang="en-US" dirty="0" smtClean="0">
-                <a:gradFill>
-                  <a:gsLst>
-                    <a:gs pos="0">
-                      <a:schemeClr val="bg1"/>
-                    </a:gs>
-                    <a:gs pos="98000">
-                      <a:schemeClr val="bg1"/>
-                    </a:gs>
-                  </a:gsLst>
-                  <a:lin ang="5400000" scaled="0"/>
-                </a:gradFill>
-                <a:ea typeface="Segoe UI Black" panose="020B0A02040204020203" pitchFamily="34" charset="0"/>
-                <a:cs typeface="Segoe UI Black" panose="020B0A02040204020203" pitchFamily="34" charset="0"/>
-              </a:rPr>
-              <a:t>(‘’…</a:t>
-            </a:r>
+              <a:t>’).controller(‘’…</a:t>
+            </a:r>
+            <a:endParaRPr lang="en-US" dirty="0" smtClean="0">
+              <a:gradFill>
+                <a:gsLst>
+                  <a:gs pos="0">
+                    <a:schemeClr val="bg1"/>
+                  </a:gs>
+                  <a:gs pos="98000">
+                    <a:schemeClr val="bg1"/>
+                  </a:gs>
+                </a:gsLst>
+                <a:lin ang="5400000" scaled="0"/>
+              </a:gradFill>
+              <a:ea typeface="Segoe UI Black" panose="020B0A02040204020203" pitchFamily="34" charset="0"/>
+              <a:cs typeface="Segoe UI Black" panose="020B0A02040204020203" pitchFamily="34" charset="0"/>
+            </a:endParaRPr>
           </a:p>
         </p:txBody>
       </p:sp>
@@ -12901,7 +12833,7 @@
         <p:spPr>
           <a:xfrm>
             <a:off x="390525" y="1067725"/>
-            <a:ext cx="8357616" cy="1640449"/>
+            <a:ext cx="8357616" cy="1369606"/>
           </a:xfrm>
         </p:spPr>
         <p:txBody>
@@ -12941,21 +12873,6 @@
             <a:r>
               <a:rPr lang="en-US" dirty="0" smtClean="0"/>
               <a:t>Nested Views</a:t>
-            </a:r>
-          </a:p>
-          <a:p>
-            <a:pPr lvl="1"/>
-            <a:r>
-              <a:rPr lang="en-US" dirty="0" smtClean="0"/>
-              <a:t>Link to other views using </a:t>
-            </a:r>
-            <a:r>
-              <a:rPr lang="en-US" dirty="0" err="1" smtClean="0"/>
-              <a:t>ui-sref</a:t>
-            </a:r>
-            <a:r>
-              <a:rPr lang="en-US" dirty="0" smtClean="0"/>
-              <a:t> directive</a:t>
             </a:r>
           </a:p>
           <a:p>
